--- a/进阶/kubecamp000.pptx
+++ b/进阶/kubecamp000.pptx
@@ -21493,6 +21493,355 @@
           </a:p>
         </p:txBody>
       </p:sp>
+      <p:sp>
+        <p:nvSpPr>
+          <p:cNvPr id="2" name="圆角矩形 1"/>
+          <p:cNvSpPr/>
+          <p:nvPr/>
+        </p:nvSpPr>
+        <p:spPr>
+          <a:xfrm>
+            <a:off x="1950085" y="3180715"/>
+            <a:ext cx="1346835" cy="495935"/>
+          </a:xfrm>
+          <a:prstGeom prst="roundRect">
+            <a:avLst/>
+          </a:prstGeom>
+          <a:solidFill>
+            <a:srgbClr val="77AADB"/>
+          </a:solidFill>
+          <a:ln>
+            <a:noFill/>
+          </a:ln>
+        </p:spPr>
+        <p:style>
+          <a:lnRef idx="2">
+            <a:schemeClr val="accent1">
+              <a:shade val="50000"/>
+            </a:schemeClr>
+          </a:lnRef>
+          <a:fillRef idx="1">
+            <a:schemeClr val="accent1"/>
+          </a:fillRef>
+          <a:effectRef idx="0">
+            <a:schemeClr val="accent1"/>
+          </a:effectRef>
+          <a:fontRef idx="minor">
+            <a:schemeClr val="lt1"/>
+          </a:fontRef>
+        </p:style>
+        <p:txBody>
+          <a:bodyPr rtlCol="0" anchor="ctr"/>
+          <a:p>
+            <a:pPr algn="ctr"/>
+            <a:r>
+              <a:rPr lang="en-US" altLang="zh-CN" dirty="0"/>
+              <a:t>Pending</a:t>
+            </a:r>
+            <a:endParaRPr lang="en-US" altLang="zh-CN" dirty="0"/>
+          </a:p>
+        </p:txBody>
+      </p:sp>
+      <p:sp>
+        <p:nvSpPr>
+          <p:cNvPr id="3" name="圆角矩形 2"/>
+          <p:cNvSpPr/>
+          <p:nvPr/>
+        </p:nvSpPr>
+        <p:spPr>
+          <a:xfrm>
+            <a:off x="4087495" y="3180715"/>
+            <a:ext cx="1346835" cy="495935"/>
+          </a:xfrm>
+          <a:prstGeom prst="roundRect">
+            <a:avLst/>
+          </a:prstGeom>
+        </p:spPr>
+        <p:style>
+          <a:lnRef idx="2">
+            <a:schemeClr val="accent6">
+              <a:shade val="50000"/>
+            </a:schemeClr>
+          </a:lnRef>
+          <a:fillRef idx="1">
+            <a:schemeClr val="accent6"/>
+          </a:fillRef>
+          <a:effectRef idx="0">
+            <a:schemeClr val="accent6"/>
+          </a:effectRef>
+          <a:fontRef idx="minor">
+            <a:schemeClr val="lt1"/>
+          </a:fontRef>
+        </p:style>
+        <p:txBody>
+          <a:bodyPr rtlCol="0" anchor="ctr"/>
+          <a:p>
+            <a:pPr algn="ctr"/>
+            <a:r>
+              <a:rPr lang="en-US" altLang="zh-CN" dirty="0"/>
+              <a:t>Running</a:t>
+            </a:r>
+            <a:endParaRPr lang="en-US" altLang="zh-CN" dirty="0"/>
+          </a:p>
+        </p:txBody>
+      </p:sp>
+      <p:sp>
+        <p:nvSpPr>
+          <p:cNvPr id="5" name="圆角矩形 4"/>
+          <p:cNvSpPr/>
+          <p:nvPr/>
+        </p:nvSpPr>
+        <p:spPr>
+          <a:xfrm>
+            <a:off x="4087495" y="4493260"/>
+            <a:ext cx="1346835" cy="495935"/>
+          </a:xfrm>
+          <a:prstGeom prst="roundRect">
+            <a:avLst/>
+          </a:prstGeom>
+        </p:spPr>
+        <p:style>
+          <a:lnRef idx="2">
+            <a:schemeClr val="accent2">
+              <a:shade val="50000"/>
+            </a:schemeClr>
+          </a:lnRef>
+          <a:fillRef idx="1">
+            <a:schemeClr val="accent2"/>
+          </a:fillRef>
+          <a:effectRef idx="0">
+            <a:schemeClr val="accent2"/>
+          </a:effectRef>
+          <a:fontRef idx="minor">
+            <a:schemeClr val="lt1"/>
+          </a:fontRef>
+        </p:style>
+        <p:txBody>
+          <a:bodyPr rtlCol="0" anchor="ctr"/>
+          <a:p>
+            <a:pPr algn="ctr"/>
+            <a:r>
+              <a:rPr lang="en-US" altLang="zh-CN" dirty="0"/>
+              <a:t>Failed</a:t>
+            </a:r>
+            <a:endParaRPr lang="en-US" altLang="zh-CN" dirty="0"/>
+          </a:p>
+        </p:txBody>
+      </p:sp>
+      <p:sp>
+        <p:nvSpPr>
+          <p:cNvPr id="6" name="圆角矩形 5"/>
+          <p:cNvSpPr/>
+          <p:nvPr/>
+        </p:nvSpPr>
+        <p:spPr>
+          <a:xfrm>
+            <a:off x="6224905" y="3181350"/>
+            <a:ext cx="1346835" cy="495935"/>
+          </a:xfrm>
+          <a:prstGeom prst="roundRect">
+            <a:avLst/>
+          </a:prstGeom>
+        </p:spPr>
+        <p:style>
+          <a:lnRef idx="2">
+            <a:schemeClr val="accent4">
+              <a:shade val="50000"/>
+            </a:schemeClr>
+          </a:lnRef>
+          <a:fillRef idx="1">
+            <a:schemeClr val="accent4"/>
+          </a:fillRef>
+          <a:effectRef idx="0">
+            <a:schemeClr val="accent4"/>
+          </a:effectRef>
+          <a:fontRef idx="minor">
+            <a:schemeClr val="lt1"/>
+          </a:fontRef>
+        </p:style>
+        <p:txBody>
+          <a:bodyPr rtlCol="0" anchor="ctr"/>
+          <a:p>
+            <a:pPr algn="ctr"/>
+            <a:r>
+              <a:rPr lang="en-US" altLang="zh-CN" dirty="0"/>
+              <a:t>Succeeded</a:t>
+            </a:r>
+            <a:endParaRPr lang="en-US" altLang="zh-CN" dirty="0"/>
+          </a:p>
+        </p:txBody>
+      </p:sp>
+      <p:cxnSp>
+        <p:nvCxnSpPr>
+          <p:cNvPr id="7" name="直接箭头连接符 6"/>
+          <p:cNvCxnSpPr>
+            <a:stCxn id="2" idx="3"/>
+            <a:endCxn id="3" idx="1"/>
+          </p:cNvCxnSpPr>
+          <p:nvPr/>
+        </p:nvCxnSpPr>
+        <p:spPr>
+          <a:xfrm>
+            <a:off x="3296920" y="3429000"/>
+            <a:ext cx="790575" cy="0"/>
+          </a:xfrm>
+          <a:prstGeom prst="straightConnector1">
+            <a:avLst/>
+          </a:prstGeom>
+          <a:ln>
+            <a:prstDash val="dash"/>
+            <a:tailEnd type="arrow" w="med" len="med"/>
+          </a:ln>
+        </p:spPr>
+        <p:style>
+          <a:lnRef idx="1">
+            <a:schemeClr val="dk1"/>
+          </a:lnRef>
+          <a:fillRef idx="0">
+            <a:schemeClr val="dk1"/>
+          </a:fillRef>
+          <a:effectRef idx="0">
+            <a:schemeClr val="dk1"/>
+          </a:effectRef>
+          <a:fontRef idx="minor">
+            <a:schemeClr val="tx1"/>
+          </a:fontRef>
+        </p:style>
+      </p:cxnSp>
+      <p:cxnSp>
+        <p:nvCxnSpPr>
+          <p:cNvPr id="8" name="直接箭头连接符 7"/>
+          <p:cNvCxnSpPr>
+            <a:stCxn id="3" idx="3"/>
+            <a:endCxn id="6" idx="1"/>
+          </p:cNvCxnSpPr>
+          <p:nvPr/>
+        </p:nvCxnSpPr>
+        <p:spPr>
+          <a:xfrm>
+            <a:off x="5434330" y="3429000"/>
+            <a:ext cx="790575" cy="635"/>
+          </a:xfrm>
+          <a:prstGeom prst="straightConnector1">
+            <a:avLst/>
+          </a:prstGeom>
+          <a:ln>
+            <a:prstDash val="dash"/>
+            <a:tailEnd type="arrow" w="med" len="med"/>
+          </a:ln>
+        </p:spPr>
+        <p:style>
+          <a:lnRef idx="1">
+            <a:schemeClr val="dk1"/>
+          </a:lnRef>
+          <a:fillRef idx="0">
+            <a:schemeClr val="dk1"/>
+          </a:fillRef>
+          <a:effectRef idx="0">
+            <a:schemeClr val="dk1"/>
+          </a:effectRef>
+          <a:fontRef idx="minor">
+            <a:schemeClr val="tx1"/>
+          </a:fontRef>
+        </p:style>
+      </p:cxnSp>
+      <p:cxnSp>
+        <p:nvCxnSpPr>
+          <p:cNvPr id="9" name="直接箭头连接符 8"/>
+          <p:cNvCxnSpPr>
+            <a:stCxn id="3" idx="2"/>
+            <a:endCxn id="5" idx="0"/>
+          </p:cNvCxnSpPr>
+          <p:nvPr/>
+        </p:nvCxnSpPr>
+        <p:spPr>
+          <a:xfrm>
+            <a:off x="4761230" y="3676650"/>
+            <a:ext cx="0" cy="816610"/>
+          </a:xfrm>
+          <a:prstGeom prst="straightConnector1">
+            <a:avLst/>
+          </a:prstGeom>
+          <a:ln>
+            <a:prstDash val="dash"/>
+            <a:tailEnd type="arrow" w="med" len="med"/>
+          </a:ln>
+        </p:spPr>
+        <p:style>
+          <a:lnRef idx="1">
+            <a:schemeClr val="dk1"/>
+          </a:lnRef>
+          <a:fillRef idx="0">
+            <a:schemeClr val="dk1"/>
+          </a:fillRef>
+          <a:effectRef idx="0">
+            <a:schemeClr val="dk1"/>
+          </a:effectRef>
+          <a:fontRef idx="minor">
+            <a:schemeClr val="tx1"/>
+          </a:fontRef>
+        </p:style>
+      </p:cxnSp>
+      <p:sp>
+        <p:nvSpPr>
+          <p:cNvPr id="10" name="文本框 9"/>
+          <p:cNvSpPr txBox="1"/>
+          <p:nvPr/>
+        </p:nvSpPr>
+        <p:spPr>
+          <a:xfrm>
+            <a:off x="5387340" y="2936240"/>
+            <a:ext cx="837565" cy="245110"/>
+          </a:xfrm>
+          <a:prstGeom prst="rect">
+            <a:avLst/>
+          </a:prstGeom>
+          <a:noFill/>
+        </p:spPr>
+        <p:txBody>
+          <a:bodyPr wrap="square" rtlCol="0" anchor="t">
+            <a:spAutoFit/>
+          </a:bodyPr>
+          <a:p>
+            <a:pPr algn="ctr"/>
+            <a:r>
+              <a:rPr lang="zh-CN" altLang="en-US" sz="1000"/>
+              <a:t>正常stop</a:t>
+            </a:r>
+            <a:endParaRPr lang="zh-CN" altLang="en-US" sz="1000"/>
+          </a:p>
+        </p:txBody>
+      </p:sp>
+      <p:sp>
+        <p:nvSpPr>
+          <p:cNvPr id="11" name="文本框 10"/>
+          <p:cNvSpPr txBox="1"/>
+          <p:nvPr/>
+        </p:nvSpPr>
+        <p:spPr>
+          <a:xfrm>
+            <a:off x="4761230" y="3962400"/>
+            <a:ext cx="837565" cy="245110"/>
+          </a:xfrm>
+          <a:prstGeom prst="rect">
+            <a:avLst/>
+          </a:prstGeom>
+          <a:noFill/>
+        </p:spPr>
+        <p:txBody>
+          <a:bodyPr wrap="square" rtlCol="0" anchor="t">
+            <a:spAutoFit/>
+          </a:bodyPr>
+          <a:p>
+            <a:pPr algn="ctr"/>
+            <a:r>
+              <a:rPr lang="zh-CN" altLang="en-US" sz="1000"/>
+              <a:t>异常stop</a:t>
+            </a:r>
+            <a:endParaRPr lang="zh-CN" altLang="en-US" sz="1000"/>
+          </a:p>
+        </p:txBody>
+      </p:sp>
     </p:spTree>
   </p:cSld>
   <p:clrMapOvr>
@@ -21630,6 +21979,203 @@
           </a:p>
         </p:txBody>
       </p:sp>
+      <p:sp>
+        <p:nvSpPr>
+          <p:cNvPr id="2" name="圆角矩形 1"/>
+          <p:cNvSpPr/>
+          <p:nvPr/>
+        </p:nvSpPr>
+        <p:spPr>
+          <a:xfrm>
+            <a:off x="2313940" y="789305"/>
+            <a:ext cx="1465580" cy="597535"/>
+          </a:xfrm>
+          <a:prstGeom prst="roundRect">
+            <a:avLst/>
+          </a:prstGeom>
+        </p:spPr>
+        <p:style>
+          <a:lnRef idx="2">
+            <a:schemeClr val="dk1"/>
+          </a:lnRef>
+          <a:fillRef idx="1">
+            <a:schemeClr val="lt1"/>
+          </a:fillRef>
+          <a:effectRef idx="0">
+            <a:schemeClr val="dk1"/>
+          </a:effectRef>
+          <a:fontRef idx="minor">
+            <a:schemeClr val="dk1"/>
+          </a:fontRef>
+        </p:style>
+        <p:txBody>
+          <a:bodyPr rtlCol="0" anchor="ctr"/>
+          <a:p>
+            <a:pPr algn="l"/>
+            <a:r>
+              <a:rPr lang="en-US" altLang="zh-CN" sz="900" dirty="0"/>
+              <a:t>POD</a:t>
+            </a:r>
+            <a:endParaRPr lang="en-US" altLang="zh-CN" sz="900" dirty="0"/>
+          </a:p>
+          <a:p>
+            <a:pPr algn="l"/>
+            <a:r>
+              <a:rPr lang="en-US" altLang="zh-CN" sz="900" dirty="0"/>
+              <a:t>defaultGracePeriod: 30s</a:t>
+            </a:r>
+            <a:endParaRPr lang="en-US" altLang="zh-CN" sz="900" dirty="0"/>
+          </a:p>
+          <a:p>
+            <a:pPr algn="l"/>
+            <a:endParaRPr lang="en-US" altLang="zh-CN" sz="900" dirty="0"/>
+          </a:p>
+        </p:txBody>
+      </p:sp>
+      <p:sp>
+        <p:nvSpPr>
+          <p:cNvPr id="5" name="文本框 4"/>
+          <p:cNvSpPr txBox="1"/>
+          <p:nvPr/>
+        </p:nvSpPr>
+        <p:spPr>
+          <a:xfrm>
+            <a:off x="375920" y="3719830"/>
+            <a:ext cx="1356360" cy="229870"/>
+          </a:xfrm>
+          <a:prstGeom prst="rect">
+            <a:avLst/>
+          </a:prstGeom>
+          <a:noFill/>
+        </p:spPr>
+        <p:txBody>
+          <a:bodyPr wrap="none" rtlCol="0">
+            <a:spAutoFit/>
+          </a:bodyPr>
+          <a:p>
+            <a:r>
+              <a:rPr lang="en-US" altLang="zh-CN" sz="900"/>
+              <a:t>kubectl delete pod POD</a:t>
+            </a:r>
+            <a:endParaRPr lang="en-US" altLang="zh-CN" sz="900"/>
+          </a:p>
+        </p:txBody>
+      </p:sp>
+      <p:cxnSp>
+        <p:nvCxnSpPr>
+          <p:cNvPr id="6" name="直接箭头连接符 5"/>
+          <p:cNvCxnSpPr>
+            <a:stCxn id="5" idx="0"/>
+            <a:endCxn id="7" idx="2"/>
+          </p:cNvCxnSpPr>
+          <p:nvPr/>
+        </p:nvCxnSpPr>
+        <p:spPr>
+          <a:xfrm flipV="1">
+            <a:off x="1054100" y="2986405"/>
+            <a:ext cx="0" cy="733425"/>
+          </a:xfrm>
+          <a:prstGeom prst="straightConnector1">
+            <a:avLst/>
+          </a:prstGeom>
+          <a:ln>
+            <a:prstDash val="dash"/>
+            <a:tailEnd type="arrow" w="med" len="med"/>
+          </a:ln>
+        </p:spPr>
+        <p:style>
+          <a:lnRef idx="1">
+            <a:schemeClr val="dk1"/>
+          </a:lnRef>
+          <a:fillRef idx="0">
+            <a:schemeClr val="dk1"/>
+          </a:fillRef>
+          <a:effectRef idx="0">
+            <a:schemeClr val="dk1"/>
+          </a:effectRef>
+          <a:fontRef idx="minor">
+            <a:schemeClr val="tx1"/>
+          </a:fontRef>
+        </p:style>
+      </p:cxnSp>
+      <p:sp>
+        <p:nvSpPr>
+          <p:cNvPr id="7" name="圆角矩形 6"/>
+          <p:cNvSpPr/>
+          <p:nvPr/>
+        </p:nvSpPr>
+        <p:spPr>
+          <a:xfrm>
+            <a:off x="542290" y="2733675"/>
+            <a:ext cx="1023620" cy="252730"/>
+          </a:xfrm>
+          <a:prstGeom prst="roundRect">
+            <a:avLst/>
+          </a:prstGeom>
+        </p:spPr>
+        <p:style>
+          <a:lnRef idx="2">
+            <a:schemeClr val="dk1"/>
+          </a:lnRef>
+          <a:fillRef idx="1">
+            <a:schemeClr val="lt1"/>
+          </a:fillRef>
+          <a:effectRef idx="0">
+            <a:schemeClr val="dk1"/>
+          </a:effectRef>
+          <a:fontRef idx="minor">
+            <a:schemeClr val="dk1"/>
+          </a:fontRef>
+        </p:style>
+        <p:txBody>
+          <a:bodyPr rtlCol="0" anchor="ctr"/>
+          <a:p>
+            <a:pPr algn="ctr"/>
+            <a:r>
+              <a:rPr lang="en-US" altLang="zh-CN" sz="900" dirty="0"/>
+              <a:t>APIServer</a:t>
+            </a:r>
+            <a:endParaRPr lang="en-US" altLang="zh-CN" sz="900" dirty="0"/>
+          </a:p>
+        </p:txBody>
+      </p:sp>
+      <p:cxnSp>
+        <p:nvCxnSpPr>
+          <p:cNvPr id="8" name="直接箭头连接符 7"/>
+          <p:cNvCxnSpPr>
+            <a:stCxn id="7" idx="3"/>
+            <a:endCxn id="2" idx="1"/>
+          </p:cNvCxnSpPr>
+          <p:nvPr/>
+        </p:nvCxnSpPr>
+        <p:spPr>
+          <a:xfrm flipV="1">
+            <a:off x="1565910" y="1088390"/>
+            <a:ext cx="748030" cy="1771650"/>
+          </a:xfrm>
+          <a:prstGeom prst="straightConnector1">
+            <a:avLst/>
+          </a:prstGeom>
+          <a:ln>
+            <a:prstDash val="dash"/>
+            <a:tailEnd type="arrow" w="med" len="med"/>
+          </a:ln>
+        </p:spPr>
+        <p:style>
+          <a:lnRef idx="1">
+            <a:schemeClr val="dk1"/>
+          </a:lnRef>
+          <a:fillRef idx="0">
+            <a:schemeClr val="dk1"/>
+          </a:fillRef>
+          <a:effectRef idx="0">
+            <a:schemeClr val="dk1"/>
+          </a:effectRef>
+          <a:fontRef idx="minor">
+            <a:schemeClr val="tx1"/>
+          </a:fontRef>
+        </p:style>
+      </p:cxnSp>
     </p:spTree>
   </p:cSld>
   <p:clrMapOvr>

--- a/进阶/kubecamp000.pptx
+++ b/进阶/kubecamp000.pptx
@@ -640,6 +640,50 @@
             <a:fld id="{7D40C54D-AB68-4A92-B8C0-6D92CDD74B09}" type="slidenum">
               <a:rPr lang="zh-CN" altLang="en-US" smtClean="0"/>
             </a:fld>
+            <a:endParaRPr lang="zh-CN" altLang="en-US"/>
+          </a:p>
+        </p:txBody>
+      </p:sp>
+    </p:spTree>
+  </p:cSld>
+  <p:clrMapOvr>
+    <a:masterClrMapping/>
+  </p:clrMapOvr>
+</p:notes>
+</file>
+
+<file path=ppt/notesSlides/notesSlide2.xml><?xml version="1.0" encoding="utf-8"?>
+<p:notes xmlns:a="http://schemas.openxmlformats.org/drawingml/2006/main" xmlns:r="http://schemas.openxmlformats.org/officeDocument/2006/relationships" xmlns:p="http://schemas.openxmlformats.org/presentationml/2006/main">
+  <p:cSld>
+    <p:spTree>
+      <p:nvGrpSpPr>
+        <p:cNvPr id="1" name=""/>
+        <p:cNvGrpSpPr/>
+        <p:nvPr/>
+      </p:nvGrpSpPr>
+      <p:grpSpPr/>
+      <p:sp>
+        <p:nvSpPr>
+          <p:cNvPr id="2" name="幻灯片图像占位符 1"/>
+          <p:cNvSpPr/>
+          <p:nvPr>
+            <p:ph type="sldImg" idx="2"/>
+          </p:nvPr>
+        </p:nvSpPr>
+        <p:spPr/>
+      </p:sp>
+      <p:sp>
+        <p:nvSpPr>
+          <p:cNvPr id="3" name="文本占位符 2"/>
+          <p:cNvSpPr/>
+          <p:nvPr>
+            <p:ph type="body" idx="3"/>
+          </p:nvPr>
+        </p:nvSpPr>
+        <p:spPr/>
+        <p:txBody>
+          <a:bodyPr/>
+          <a:p>
             <a:endParaRPr lang="zh-CN" altLang="en-US"/>
           </a:p>
         </p:txBody>
@@ -21979,203 +22023,6 @@
           </a:p>
         </p:txBody>
       </p:sp>
-      <p:sp>
-        <p:nvSpPr>
-          <p:cNvPr id="2" name="圆角矩形 1"/>
-          <p:cNvSpPr/>
-          <p:nvPr/>
-        </p:nvSpPr>
-        <p:spPr>
-          <a:xfrm>
-            <a:off x="2313940" y="789305"/>
-            <a:ext cx="1465580" cy="597535"/>
-          </a:xfrm>
-          <a:prstGeom prst="roundRect">
-            <a:avLst/>
-          </a:prstGeom>
-        </p:spPr>
-        <p:style>
-          <a:lnRef idx="2">
-            <a:schemeClr val="dk1"/>
-          </a:lnRef>
-          <a:fillRef idx="1">
-            <a:schemeClr val="lt1"/>
-          </a:fillRef>
-          <a:effectRef idx="0">
-            <a:schemeClr val="dk1"/>
-          </a:effectRef>
-          <a:fontRef idx="minor">
-            <a:schemeClr val="dk1"/>
-          </a:fontRef>
-        </p:style>
-        <p:txBody>
-          <a:bodyPr rtlCol="0" anchor="ctr"/>
-          <a:p>
-            <a:pPr algn="l"/>
-            <a:r>
-              <a:rPr lang="en-US" altLang="zh-CN" sz="900" dirty="0"/>
-              <a:t>POD</a:t>
-            </a:r>
-            <a:endParaRPr lang="en-US" altLang="zh-CN" sz="900" dirty="0"/>
-          </a:p>
-          <a:p>
-            <a:pPr algn="l"/>
-            <a:r>
-              <a:rPr lang="en-US" altLang="zh-CN" sz="900" dirty="0"/>
-              <a:t>defaultGracePeriod: 30s</a:t>
-            </a:r>
-            <a:endParaRPr lang="en-US" altLang="zh-CN" sz="900" dirty="0"/>
-          </a:p>
-          <a:p>
-            <a:pPr algn="l"/>
-            <a:endParaRPr lang="en-US" altLang="zh-CN" sz="900" dirty="0"/>
-          </a:p>
-        </p:txBody>
-      </p:sp>
-      <p:sp>
-        <p:nvSpPr>
-          <p:cNvPr id="5" name="文本框 4"/>
-          <p:cNvSpPr txBox="1"/>
-          <p:nvPr/>
-        </p:nvSpPr>
-        <p:spPr>
-          <a:xfrm>
-            <a:off x="375920" y="3719830"/>
-            <a:ext cx="1356360" cy="229870"/>
-          </a:xfrm>
-          <a:prstGeom prst="rect">
-            <a:avLst/>
-          </a:prstGeom>
-          <a:noFill/>
-        </p:spPr>
-        <p:txBody>
-          <a:bodyPr wrap="none" rtlCol="0">
-            <a:spAutoFit/>
-          </a:bodyPr>
-          <a:p>
-            <a:r>
-              <a:rPr lang="en-US" altLang="zh-CN" sz="900"/>
-              <a:t>kubectl delete pod POD</a:t>
-            </a:r>
-            <a:endParaRPr lang="en-US" altLang="zh-CN" sz="900"/>
-          </a:p>
-        </p:txBody>
-      </p:sp>
-      <p:cxnSp>
-        <p:nvCxnSpPr>
-          <p:cNvPr id="6" name="直接箭头连接符 5"/>
-          <p:cNvCxnSpPr>
-            <a:stCxn id="5" idx="0"/>
-            <a:endCxn id="7" idx="2"/>
-          </p:cNvCxnSpPr>
-          <p:nvPr/>
-        </p:nvCxnSpPr>
-        <p:spPr>
-          <a:xfrm flipV="1">
-            <a:off x="1054100" y="2986405"/>
-            <a:ext cx="0" cy="733425"/>
-          </a:xfrm>
-          <a:prstGeom prst="straightConnector1">
-            <a:avLst/>
-          </a:prstGeom>
-          <a:ln>
-            <a:prstDash val="dash"/>
-            <a:tailEnd type="arrow" w="med" len="med"/>
-          </a:ln>
-        </p:spPr>
-        <p:style>
-          <a:lnRef idx="1">
-            <a:schemeClr val="dk1"/>
-          </a:lnRef>
-          <a:fillRef idx="0">
-            <a:schemeClr val="dk1"/>
-          </a:fillRef>
-          <a:effectRef idx="0">
-            <a:schemeClr val="dk1"/>
-          </a:effectRef>
-          <a:fontRef idx="minor">
-            <a:schemeClr val="tx1"/>
-          </a:fontRef>
-        </p:style>
-      </p:cxnSp>
-      <p:sp>
-        <p:nvSpPr>
-          <p:cNvPr id="7" name="圆角矩形 6"/>
-          <p:cNvSpPr/>
-          <p:nvPr/>
-        </p:nvSpPr>
-        <p:spPr>
-          <a:xfrm>
-            <a:off x="542290" y="2733675"/>
-            <a:ext cx="1023620" cy="252730"/>
-          </a:xfrm>
-          <a:prstGeom prst="roundRect">
-            <a:avLst/>
-          </a:prstGeom>
-        </p:spPr>
-        <p:style>
-          <a:lnRef idx="2">
-            <a:schemeClr val="dk1"/>
-          </a:lnRef>
-          <a:fillRef idx="1">
-            <a:schemeClr val="lt1"/>
-          </a:fillRef>
-          <a:effectRef idx="0">
-            <a:schemeClr val="dk1"/>
-          </a:effectRef>
-          <a:fontRef idx="minor">
-            <a:schemeClr val="dk1"/>
-          </a:fontRef>
-        </p:style>
-        <p:txBody>
-          <a:bodyPr rtlCol="0" anchor="ctr"/>
-          <a:p>
-            <a:pPr algn="ctr"/>
-            <a:r>
-              <a:rPr lang="en-US" altLang="zh-CN" sz="900" dirty="0"/>
-              <a:t>APIServer</a:t>
-            </a:r>
-            <a:endParaRPr lang="en-US" altLang="zh-CN" sz="900" dirty="0"/>
-          </a:p>
-        </p:txBody>
-      </p:sp>
-      <p:cxnSp>
-        <p:nvCxnSpPr>
-          <p:cNvPr id="8" name="直接箭头连接符 7"/>
-          <p:cNvCxnSpPr>
-            <a:stCxn id="7" idx="3"/>
-            <a:endCxn id="2" idx="1"/>
-          </p:cNvCxnSpPr>
-          <p:nvPr/>
-        </p:nvCxnSpPr>
-        <p:spPr>
-          <a:xfrm flipV="1">
-            <a:off x="1565910" y="1088390"/>
-            <a:ext cx="748030" cy="1771650"/>
-          </a:xfrm>
-          <a:prstGeom prst="straightConnector1">
-            <a:avLst/>
-          </a:prstGeom>
-          <a:ln>
-            <a:prstDash val="dash"/>
-            <a:tailEnd type="arrow" w="med" len="med"/>
-          </a:ln>
-        </p:spPr>
-        <p:style>
-          <a:lnRef idx="1">
-            <a:schemeClr val="dk1"/>
-          </a:lnRef>
-          <a:fillRef idx="0">
-            <a:schemeClr val="dk1"/>
-          </a:fillRef>
-          <a:effectRef idx="0">
-            <a:schemeClr val="dk1"/>
-          </a:effectRef>
-          <a:fontRef idx="minor">
-            <a:schemeClr val="tx1"/>
-          </a:fontRef>
-        </p:style>
-      </p:cxnSp>
     </p:spTree>
   </p:cSld>
   <p:clrMapOvr>
